--- a/Project1-ExploreVis/NandaRajarathinam/NYC Motor Vehicle Collision Exploratory Analysis.pptx
+++ b/Project1-ExploreVis/NandaRajarathinam/NYC Motor Vehicle Collision Exploratory Analysis.pptx
@@ -116,6 +116,11 @@
       </a:defRPr>
     </a:lvl9pPr>
   </p:defaultTextStyle>
+  <p:extLst>
+    <p:ext uri="{EFAFB233-063F-42B5-8137-9DF3F51BA10A}">
+      <p15:sldGuideLst xmlns:p15="http://schemas.microsoft.com/office/powerpoint/2012/main"/>
+    </p:ext>
+  </p:extLst>
 </p:presentation>
 </file>
 
@@ -345,7 +350,7 @@
           <a:p>
             <a:fld id="{54DCFDA4-2FB1-4E91-87E9-5930BC7E1545}" type="datetimeFigureOut">
               <a:rPr lang="en-US" smtClean="0"/>
-              <a:t>7/18/2016</a:t>
+              <a:t>7/19/2016</a:t>
             </a:fld>
             <a:endParaRPr lang="en-US"/>
           </a:p>
@@ -553,7 +558,7 @@
           <a:p>
             <a:fld id="{54DCFDA4-2FB1-4E91-87E9-5930BC7E1545}" type="datetimeFigureOut">
               <a:rPr lang="en-US" smtClean="0"/>
-              <a:t>7/18/2016</a:t>
+              <a:t>7/19/2016</a:t>
             </a:fld>
             <a:endParaRPr lang="en-US"/>
           </a:p>
@@ -809,7 +814,7 @@
           <a:p>
             <a:fld id="{54DCFDA4-2FB1-4E91-87E9-5930BC7E1545}" type="datetimeFigureOut">
               <a:rPr lang="en-US" smtClean="0"/>
-              <a:t>7/18/2016</a:t>
+              <a:t>7/19/2016</a:t>
             </a:fld>
             <a:endParaRPr lang="en-US"/>
           </a:p>
@@ -979,7 +984,7 @@
           <a:p>
             <a:fld id="{54DCFDA4-2FB1-4E91-87E9-5930BC7E1545}" type="datetimeFigureOut">
               <a:rPr lang="en-US" smtClean="0"/>
-              <a:t>7/18/2016</a:t>
+              <a:t>7/19/2016</a:t>
             </a:fld>
             <a:endParaRPr lang="en-US"/>
           </a:p>
@@ -1322,7 +1327,7 @@
           <a:p>
             <a:fld id="{54DCFDA4-2FB1-4E91-87E9-5930BC7E1545}" type="datetimeFigureOut">
               <a:rPr lang="en-US" smtClean="0"/>
-              <a:t>7/18/2016</a:t>
+              <a:t>7/19/2016</a:t>
             </a:fld>
             <a:endParaRPr lang="en-US"/>
           </a:p>
@@ -1597,7 +1602,7 @@
           <a:p>
             <a:fld id="{54DCFDA4-2FB1-4E91-87E9-5930BC7E1545}" type="datetimeFigureOut">
               <a:rPr lang="en-US" smtClean="0"/>
-              <a:t>7/18/2016</a:t>
+              <a:t>7/19/2016</a:t>
             </a:fld>
             <a:endParaRPr lang="en-US"/>
           </a:p>
@@ -1976,7 +1981,7 @@
           <a:p>
             <a:fld id="{54DCFDA4-2FB1-4E91-87E9-5930BC7E1545}" type="datetimeFigureOut">
               <a:rPr lang="en-US" smtClean="0"/>
-              <a:t>7/18/2016</a:t>
+              <a:t>7/19/2016</a:t>
             </a:fld>
             <a:endParaRPr lang="en-US"/>
           </a:p>
@@ -2094,7 +2099,7 @@
           <a:p>
             <a:fld id="{54DCFDA4-2FB1-4E91-87E9-5930BC7E1545}" type="datetimeFigureOut">
               <a:rPr lang="en-US" smtClean="0"/>
-              <a:t>7/18/2016</a:t>
+              <a:t>7/19/2016</a:t>
             </a:fld>
             <a:endParaRPr lang="en-US"/>
           </a:p>
@@ -2265,7 +2270,7 @@
           <a:p>
             <a:fld id="{54DCFDA4-2FB1-4E91-87E9-5930BC7E1545}" type="datetimeFigureOut">
               <a:rPr lang="en-US" smtClean="0"/>
-              <a:t>7/18/2016</a:t>
+              <a:t>7/19/2016</a:t>
             </a:fld>
             <a:endParaRPr lang="en-US"/>
           </a:p>
@@ -2619,7 +2624,7 @@
           <a:p>
             <a:fld id="{54DCFDA4-2FB1-4E91-87E9-5930BC7E1545}" type="datetimeFigureOut">
               <a:rPr lang="en-US" smtClean="0"/>
-              <a:t>7/18/2016</a:t>
+              <a:t>7/19/2016</a:t>
             </a:fld>
             <a:endParaRPr lang="en-US"/>
           </a:p>
@@ -2996,7 +3001,7 @@
           <a:p>
             <a:fld id="{54DCFDA4-2FB1-4E91-87E9-5930BC7E1545}" type="datetimeFigureOut">
               <a:rPr lang="en-US" smtClean="0"/>
-              <a:t>7/18/2016</a:t>
+              <a:t>7/19/2016</a:t>
             </a:fld>
             <a:endParaRPr lang="en-US"/>
           </a:p>
@@ -3283,7 +3288,7 @@
           <a:p>
             <a:fld id="{54DCFDA4-2FB1-4E91-87E9-5930BC7E1545}" type="datetimeFigureOut">
               <a:rPr lang="en-US" smtClean="0"/>
-              <a:t>7/18/2016</a:t>
+              <a:t>7/19/2016</a:t>
             </a:fld>
             <a:endParaRPr lang="en-US"/>
           </a:p>
@@ -3838,6 +3843,46 @@
               </a:rPr>
             </a:br>
             <a:r>
+              <a:rPr lang="en-US" sz="3200" dirty="0" smtClean="0">
+                <a:latin typeface="Arial" panose="020B0604020202020204" pitchFamily="34" charset="0"/>
+                <a:cs typeface="Arial" panose="020B0604020202020204" pitchFamily="34" charset="0"/>
+              </a:rPr>
+              <a:t>                                                  </a:t>
+            </a:r>
+            <a:br>
+              <a:rPr lang="en-US" sz="3200" dirty="0" smtClean="0">
+                <a:latin typeface="Arial" panose="020B0604020202020204" pitchFamily="34" charset="0"/>
+                <a:cs typeface="Arial" panose="020B0604020202020204" pitchFamily="34" charset="0"/>
+              </a:rPr>
+            </a:br>
+            <a:r>
+              <a:rPr lang="en-US" sz="3200" dirty="0">
+                <a:latin typeface="Arial" panose="020B0604020202020204" pitchFamily="34" charset="0"/>
+                <a:cs typeface="Arial" panose="020B0604020202020204" pitchFamily="34" charset="0"/>
+              </a:rPr>
+              <a:t/>
+            </a:r>
+            <a:br>
+              <a:rPr lang="en-US" sz="3200" dirty="0">
+                <a:latin typeface="Arial" panose="020B0604020202020204" pitchFamily="34" charset="0"/>
+                <a:cs typeface="Arial" panose="020B0604020202020204" pitchFamily="34" charset="0"/>
+              </a:rPr>
+            </a:br>
+            <a:r>
+              <a:rPr lang="en-US" sz="3200" dirty="0" smtClean="0">
+                <a:latin typeface="Arial" panose="020B0604020202020204" pitchFamily="34" charset="0"/>
+                <a:cs typeface="Arial" panose="020B0604020202020204" pitchFamily="34" charset="0"/>
+              </a:rPr>
+              <a:t>                                                    </a:t>
+            </a:r>
+            <a:r>
+              <a:rPr lang="en-US" sz="3200" dirty="0" smtClean="0">
+                <a:latin typeface="Arial" panose="020B0604020202020204" pitchFamily="34" charset="0"/>
+                <a:cs typeface="Arial" panose="020B0604020202020204" pitchFamily="34" charset="0"/>
+              </a:rPr>
+              <a:t>Nanda Rajarathinam</a:t>
+            </a:r>
+            <a:r>
               <a:rPr lang="en-US" sz="4400" dirty="0">
                 <a:latin typeface="Arial" panose="020B0604020202020204" pitchFamily="34" charset="0"/>
                 <a:cs typeface="Arial" panose="020B0604020202020204" pitchFamily="34" charset="0"/>
@@ -4348,10 +4393,6 @@
               </a:rPr>
               <a:t>Usage</a:t>
             </a:r>
-            <a:endParaRPr lang="en-US" sz="1600" dirty="0">
-              <a:latin typeface="Arial" panose="020B0604020202020204" pitchFamily="34" charset="0"/>
-              <a:cs typeface="Arial" panose="020B0604020202020204" pitchFamily="34" charset="0"/>
-            </a:endParaRPr>
           </a:p>
           <a:p>
             <a:endParaRPr lang="en-US" sz="1600" dirty="0">
@@ -4480,14 +4521,7 @@
                 <a:latin typeface="Arial" panose="020B0604020202020204" pitchFamily="34" charset="0"/>
                 <a:cs typeface="Arial" panose="020B0604020202020204" pitchFamily="34" charset="0"/>
               </a:rPr>
-              <a:t>of the factors in the top 10 category show an overall declining trend except ‘Traffic control disregarded’ and ‘Following too closely’ which display a slightly erratic pattern over the years</a:t>
-            </a:r>
-            <a:r>
-              <a:rPr lang="en-US" sz="1600" dirty="0">
-                <a:latin typeface="Arial" panose="020B0604020202020204" pitchFamily="34" charset="0"/>
-                <a:cs typeface="Arial" panose="020B0604020202020204" pitchFamily="34" charset="0"/>
-              </a:rPr>
-              <a:t> </a:t>
+              <a:t>of the factors in the top 10 category show an overall declining trend except ‘Traffic control disregarded’ and ‘Following too closely’ which display a slightly erratic pattern over the years </a:t>
             </a:r>
             <a:endParaRPr lang="en-US" sz="1600" dirty="0" smtClean="0">
               <a:latin typeface="Arial" panose="020B0604020202020204" pitchFamily="34" charset="0"/>
@@ -4504,14 +4538,7 @@
                 <a:latin typeface="Arial" panose="020B0604020202020204" pitchFamily="34" charset="0"/>
                 <a:cs typeface="Arial" panose="020B0604020202020204" pitchFamily="34" charset="0"/>
               </a:rPr>
-              <a:t> </a:t>
-            </a:r>
-            <a:r>
-              <a:rPr lang="en-US" sz="1600" dirty="0">
-                <a:latin typeface="Arial" panose="020B0604020202020204" pitchFamily="34" charset="0"/>
-                <a:cs typeface="Arial" panose="020B0604020202020204" pitchFamily="34" charset="0"/>
-              </a:rPr>
-              <a:t>The plot showed that there was a consistent observation in all boroughs where evening time(between 5 PM and mid-night) had the most number of casualties compared to rest of the day. </a:t>
+              <a:t> The plot showed that there was a consistent observation in all boroughs where evening time(between 5 PM and mid-night) had the most number of casualties compared to rest of the day. </a:t>
             </a:r>
             <a:r>
               <a:rPr lang="en-US" sz="1600" dirty="0" smtClean="0">
@@ -4784,7 +4811,7 @@
                 <a:latin typeface="Arial" panose="020B0604020202020204" pitchFamily="34" charset="0"/>
                 <a:cs typeface="Arial" panose="020B0604020202020204" pitchFamily="34" charset="0"/>
               </a:rPr>
-              <a:t>causalities </a:t>
+              <a:t>casualties </a:t>
             </a:r>
             <a:r>
               <a:rPr lang="en-US" sz="1600" dirty="0">
@@ -4932,11 +4959,7 @@
             </a:pPr>
             <a:r>
               <a:rPr lang="en-US" dirty="0"/>
-              <a:t> </a:t>
-            </a:r>
-            <a:r>
-              <a:rPr lang="en-US" dirty="0"/>
-              <a:t> Variables</a:t>
+              <a:t>  Variables</a:t>
             </a:r>
           </a:p>
           <a:p>
@@ -5736,18 +5759,18 @@
               <a:t>Total number of </a:t>
             </a:r>
             <a:r>
-              <a:rPr lang="en-US" sz="4000" dirty="0" err="1" smtClean="0">
-                <a:latin typeface="Arial" panose="020B0604020202020204" pitchFamily="34" charset="0"/>
-                <a:cs typeface="Arial" panose="020B0604020202020204" pitchFamily="34" charset="0"/>
-              </a:rPr>
-              <a:t>Casualities</a:t>
-            </a:r>
-            <a:r>
               <a:rPr lang="en-US" sz="4000" dirty="0" smtClean="0">
                 <a:latin typeface="Arial" panose="020B0604020202020204" pitchFamily="34" charset="0"/>
                 <a:cs typeface="Arial" panose="020B0604020202020204" pitchFamily="34" charset="0"/>
               </a:rPr>
-              <a:t> by ZIP code</a:t>
+              <a:t>Casualties </a:t>
+            </a:r>
+            <a:r>
+              <a:rPr lang="en-US" sz="4000" dirty="0" smtClean="0">
+                <a:latin typeface="Arial" panose="020B0604020202020204" pitchFamily="34" charset="0"/>
+                <a:cs typeface="Arial" panose="020B0604020202020204" pitchFamily="34" charset="0"/>
+              </a:rPr>
+              <a:t>by ZIP code</a:t>
             </a:r>
             <a:endParaRPr lang="en-US" sz="4000" dirty="0">
               <a:latin typeface="Arial" panose="020B0604020202020204" pitchFamily="34" charset="0"/>
